--- a/subjects/TPI/ćwiczenia nr 5 - TPI.pptx
+++ b/subjects/TPI/ćwiczenia nr 5 - TPI.pptx
@@ -2275,6 +2275,30 @@
           </pc:sldLayoutMkLst>
         </pc:sldLayoutChg>
       </pc:sldMasterChg>
+    </pc:docChg>
+  </pc:docChgLst>
+  <pc:docChgLst>
+    <pc:chgData name="Serafin Patryk" userId="ce8cf8d3-b140-43f7-9541-10745587815e" providerId="ADAL" clId="{E162CA22-198F-427D-8035-F8260A126D5A}"/>
+    <pc:docChg chg="modSld">
+      <pc:chgData name="Serafin Patryk" userId="ce8cf8d3-b140-43f7-9541-10745587815e" providerId="ADAL" clId="{E162CA22-198F-427D-8035-F8260A126D5A}" dt="2024-03-15T10:10:29.430" v="0"/>
+      <pc:docMkLst>
+        <pc:docMk/>
+      </pc:docMkLst>
+      <pc:sldChg chg="modSp mod">
+        <pc:chgData name="Serafin Patryk" userId="ce8cf8d3-b140-43f7-9541-10745587815e" providerId="ADAL" clId="{E162CA22-198F-427D-8035-F8260A126D5A}" dt="2024-03-15T10:10:29.430" v="0"/>
+        <pc:sldMkLst>
+          <pc:docMk/>
+          <pc:sldMk cId="527867234" sldId="256"/>
+        </pc:sldMkLst>
+        <pc:spChg chg="mod">
+          <ac:chgData name="Serafin Patryk" userId="ce8cf8d3-b140-43f7-9541-10745587815e" providerId="ADAL" clId="{E162CA22-198F-427D-8035-F8260A126D5A}" dt="2024-03-15T10:10:29.430" v="0"/>
+          <ac:spMkLst>
+            <pc:docMk/>
+            <pc:sldMk cId="527867234" sldId="256"/>
+            <ac:spMk id="3" creationId="{2DF877C1-FFB8-EE3A-7589-AD1D4A371B66}"/>
+          </ac:spMkLst>
+        </pc:spChg>
+      </pc:sldChg>
     </pc:docChg>
   </pc:docChgLst>
   <pc:docChgLst>
@@ -22756,7 +22780,7 @@
           <a:p>
             <a:fld id="{02AC24A9-CCB6-4F8D-B8DB-C2F3692CFA5A}" type="datetimeFigureOut">
               <a:rPr lang="en-US" smtClean="0"/>
-              <a:t>1/17/2024</a:t>
+              <a:t>3/15/2024</a:t>
             </a:fld>
             <a:endParaRPr lang="en-US" dirty="0"/>
           </a:p>
@@ -23126,7 +23150,7 @@
           <a:p>
             <a:fld id="{02AC24A9-CCB6-4F8D-B8DB-C2F3692CFA5A}" type="datetimeFigureOut">
               <a:rPr lang="en-US" smtClean="0"/>
-              <a:t>1/17/2024</a:t>
+              <a:t>3/15/2024</a:t>
             </a:fld>
             <a:endParaRPr lang="en-US" dirty="0"/>
           </a:p>
@@ -23335,7 +23359,7 @@
           <a:p>
             <a:fld id="{02AC24A9-CCB6-4F8D-B8DB-C2F3692CFA5A}" type="datetimeFigureOut">
               <a:rPr lang="en-US" smtClean="0"/>
-              <a:t>1/17/2024</a:t>
+              <a:t>3/15/2024</a:t>
             </a:fld>
             <a:endParaRPr lang="en-US" dirty="0"/>
           </a:p>
@@ -23805,7 +23829,7 @@
           <a:p>
             <a:fld id="{02AC24A9-CCB6-4F8D-B8DB-C2F3692CFA5A}" type="datetimeFigureOut">
               <a:rPr lang="en-US" smtClean="0"/>
-              <a:t>1/17/2024</a:t>
+              <a:t>3/15/2024</a:t>
             </a:fld>
             <a:endParaRPr lang="en-US" dirty="0"/>
           </a:p>
@@ -24259,7 +24283,7 @@
           <a:p>
             <a:fld id="{02AC24A9-CCB6-4F8D-B8DB-C2F3692CFA5A}" type="datetimeFigureOut">
               <a:rPr lang="en-US" smtClean="0"/>
-              <a:t>1/17/2024</a:t>
+              <a:t>3/15/2024</a:t>
             </a:fld>
             <a:endParaRPr lang="en-US" dirty="0"/>
           </a:p>
@@ -24791,7 +24815,7 @@
           <a:p>
             <a:fld id="{02AC24A9-CCB6-4F8D-B8DB-C2F3692CFA5A}" type="datetimeFigureOut">
               <a:rPr lang="en-US" smtClean="0"/>
-              <a:t>1/17/2024</a:t>
+              <a:t>3/15/2024</a:t>
             </a:fld>
             <a:endParaRPr lang="en-US" dirty="0"/>
           </a:p>
@@ -25490,7 +25514,7 @@
           <a:p>
             <a:fld id="{02AC24A9-CCB6-4F8D-B8DB-C2F3692CFA5A}" type="datetimeFigureOut">
               <a:rPr lang="en-US" smtClean="0"/>
-              <a:t>1/17/2024</a:t>
+              <a:t>3/15/2024</a:t>
             </a:fld>
             <a:endParaRPr lang="en-US" dirty="0"/>
           </a:p>
@@ -25819,7 +25843,7 @@
           <a:p>
             <a:fld id="{02AC24A9-CCB6-4F8D-B8DB-C2F3692CFA5A}" type="datetimeFigureOut">
               <a:rPr lang="en-US" smtClean="0"/>
-              <a:t>1/17/2024</a:t>
+              <a:t>3/15/2024</a:t>
             </a:fld>
             <a:endParaRPr lang="en-US" dirty="0"/>
           </a:p>
@@ -25932,7 +25956,7 @@
           <a:p>
             <a:fld id="{02AC24A9-CCB6-4F8D-B8DB-C2F3692CFA5A}" type="datetimeFigureOut">
               <a:rPr lang="en-US" smtClean="0"/>
-              <a:t>1/17/2024</a:t>
+              <a:t>3/15/2024</a:t>
             </a:fld>
             <a:endParaRPr lang="en-US" dirty="0"/>
           </a:p>
@@ -26427,7 +26451,7 @@
           <a:p>
             <a:fld id="{02AC24A9-CCB6-4F8D-B8DB-C2F3692CFA5A}" type="datetimeFigureOut">
               <a:rPr lang="en-US" smtClean="0"/>
-              <a:t>1/17/2024</a:t>
+              <a:t>3/15/2024</a:t>
             </a:fld>
             <a:endParaRPr lang="en-US" dirty="0"/>
           </a:p>
@@ -26904,7 +26928,7 @@
           <a:p>
             <a:fld id="{02AC24A9-CCB6-4F8D-B8DB-C2F3692CFA5A}" type="datetimeFigureOut">
               <a:rPr lang="en-US" smtClean="0"/>
-              <a:t>1/17/2024</a:t>
+              <a:t>3/15/2024</a:t>
             </a:fld>
             <a:endParaRPr lang="en-US" dirty="0"/>
           </a:p>
@@ -27147,7 +27171,7 @@
           <a:p>
             <a:fld id="{02AC24A9-CCB6-4F8D-B8DB-C2F3692CFA5A}" type="datetimeFigureOut">
               <a:rPr lang="en-US" smtClean="0"/>
-              <a:t>1/17/2024</a:t>
+              <a:t>3/15/2024</a:t>
             </a:fld>
             <a:endParaRPr lang="en-US" dirty="0"/>
           </a:p>
@@ -28255,16 +28279,12 @@
               <a:t>.</a:t>
             </a:r>
             <a:r>
-              <a:rPr lang="pl-PL" sz="2400"/>
+              <a:rPr lang="pl-PL" sz="2400" dirty="0"/>
               <a:t>serafin</a:t>
             </a:r>
             <a:r>
-              <a:rPr lang="en-US" sz="2400"/>
-              <a:t>@</a:t>
-            </a:r>
-            <a:r>
               <a:rPr lang="en-US" sz="2400" dirty="0"/>
-              <a:t>wat.edu.pl</a:t>
+              <a:t>@wat.edu.pl</a:t>
             </a:r>
           </a:p>
           <a:p>
@@ -28304,7 +28324,7 @@
             </a:pPr>
             <a:r>
               <a:rPr lang="pl-PL" sz="1600" dirty="0"/>
-              <a:t>wtorek 13:00-15:00,</a:t>
+              <a:t>czwartek 13:00-15:00,</a:t>
             </a:r>
           </a:p>
           <a:p>
